--- a/figures/Chapter 3 - Tree Structures/3.9 - B+ Trees.pptx
+++ b/figures/Chapter 3 - Tree Structures/3.9 - B+ Trees.pptx
@@ -26292,7 +26292,7 @@
           <p:nvPr>
             <p:extLst>
               <p:ext uri="{D42A27DB-BD31-4B8C-83A1-F6EECF244321}">
-                <p14:modId xmlns:p14="http://schemas.microsoft.com/office/powerpoint/2010/main" val="4157070492"/>
+                <p14:modId xmlns:p14="http://schemas.microsoft.com/office/powerpoint/2010/main" val="1674905829"/>
               </p:ext>
             </p:extLst>
           </p:nvPr>
@@ -26429,7 +26429,7 @@
           <p:nvPr>
             <p:extLst>
               <p:ext uri="{D42A27DB-BD31-4B8C-83A1-F6EECF244321}">
-                <p14:modId xmlns:p14="http://schemas.microsoft.com/office/powerpoint/2010/main" val="278602536"/>
+                <p14:modId xmlns:p14="http://schemas.microsoft.com/office/powerpoint/2010/main" val="2048445445"/>
               </p:ext>
             </p:extLst>
           </p:nvPr>
@@ -26624,7 +26624,7 @@
           <p:nvPr>
             <p:extLst>
               <p:ext uri="{D42A27DB-BD31-4B8C-83A1-F6EECF244321}">
-                <p14:modId xmlns:p14="http://schemas.microsoft.com/office/powerpoint/2010/main" val="2175634030"/>
+                <p14:modId xmlns:p14="http://schemas.microsoft.com/office/powerpoint/2010/main" val="3831485311"/>
               </p:ext>
             </p:extLst>
           </p:nvPr>
@@ -26831,6 +26831,64 @@
           </a:graphicData>
         </a:graphic>
       </p:graphicFrame>
+      <p:sp>
+        <p:nvSpPr>
+          <p:cNvPr id="9" name="Rectangular Callout 8">
+            <a:extLst>
+              <a:ext uri="{FF2B5EF4-FFF2-40B4-BE49-F238E27FC236}">
+                <a16:creationId xmlns:a16="http://schemas.microsoft.com/office/drawing/2014/main" id="{0C919536-1610-244F-B776-33EF9F578C13}"/>
+              </a:ext>
+            </a:extLst>
+          </p:cNvPr>
+          <p:cNvSpPr/>
+          <p:nvPr/>
+        </p:nvSpPr>
+        <p:spPr>
+          <a:xfrm>
+            <a:off x="5032700" y="727336"/>
+            <a:ext cx="1364384" cy="766277"/>
+          </a:xfrm>
+          <a:prstGeom prst="wedgeRectCallout">
+            <a:avLst>
+              <a:gd name="adj1" fmla="val -32371"/>
+              <a:gd name="adj2" fmla="val 70719"/>
+            </a:avLst>
+          </a:prstGeom>
+          <a:noFill/>
+          <a:ln>
+            <a:noFill/>
+          </a:ln>
+        </p:spPr>
+        <p:style>
+          <a:lnRef idx="1">
+            <a:schemeClr val="accent1"/>
+          </a:lnRef>
+          <a:fillRef idx="3">
+            <a:schemeClr val="accent1"/>
+          </a:fillRef>
+          <a:effectRef idx="2">
+            <a:schemeClr val="accent1"/>
+          </a:effectRef>
+          <a:fontRef idx="minor">
+            <a:schemeClr val="lt1"/>
+          </a:fontRef>
+        </p:style>
+        <p:txBody>
+          <a:bodyPr rtlCol="0" anchor="ctr"/>
+          <a:lstStyle/>
+          <a:p>
+            <a:pPr algn="ctr"/>
+            <a:r>
+              <a:rPr lang="en-US" dirty="0">
+                <a:solidFill>
+                  <a:schemeClr val="tx1"/>
+                </a:solidFill>
+              </a:rPr>
+              <a:t>  </a:t>
+            </a:r>
+          </a:p>
+        </p:txBody>
+      </p:sp>
     </p:spTree>
     <p:extLst>
       <p:ext uri="{BB962C8B-B14F-4D97-AF65-F5344CB8AC3E}">
